--- a/文档/最终答辩ppt.pptx
+++ b/文档/最终答辩ppt.pptx
@@ -783,7 +783,7 @@
           <a:p>
             <a:fld id="{4CE80426-BED0-4D21-9767-A71E30C5C6A5}" type="datetimeFigureOut">
               <a:rPr lang="zh-CN" altLang="en-US" smtClean="0"/>
-              <a:t>2020/12/16</a:t>
+              <a:t>2020/12/17</a:t>
             </a:fld>
             <a:endParaRPr lang="zh-CN" altLang="en-US"/>
           </a:p>
@@ -966,7 +966,7 @@
           <a:p>
             <a:fld id="{4CE80426-BED0-4D21-9767-A71E30C5C6A5}" type="datetimeFigureOut">
               <a:rPr lang="zh-CN" altLang="en-US" smtClean="0"/>
-              <a:t>2020/12/16</a:t>
+              <a:t>2020/12/17</a:t>
             </a:fld>
             <a:endParaRPr lang="zh-CN" altLang="en-US"/>
           </a:p>
@@ -1141,7 +1141,7 @@
           <a:p>
             <a:fld id="{4CE80426-BED0-4D21-9767-A71E30C5C6A5}" type="datetimeFigureOut">
               <a:rPr lang="zh-CN" altLang="en-US" smtClean="0"/>
-              <a:t>2020/12/16</a:t>
+              <a:t>2020/12/17</a:t>
             </a:fld>
             <a:endParaRPr lang="zh-CN" altLang="en-US"/>
           </a:p>
@@ -1306,7 +1306,7 @@
           <a:p>
             <a:fld id="{4CE80426-BED0-4D21-9767-A71E30C5C6A5}" type="datetimeFigureOut">
               <a:rPr lang="zh-CN" altLang="en-US" smtClean="0"/>
-              <a:t>2020/12/16</a:t>
+              <a:t>2020/12/17</a:t>
             </a:fld>
             <a:endParaRPr lang="zh-CN" altLang="en-US"/>
           </a:p>
@@ -1527,7 +1527,7 @@
           <a:p>
             <a:fld id="{4CE80426-BED0-4D21-9767-A71E30C5C6A5}" type="datetimeFigureOut">
               <a:rPr lang="zh-CN" altLang="en-US" smtClean="0"/>
-              <a:t>2020/12/16</a:t>
+              <a:t>2020/12/17</a:t>
             </a:fld>
             <a:endParaRPr lang="zh-CN" altLang="en-US"/>
           </a:p>
@@ -1786,7 +1786,7 @@
           <a:p>
             <a:fld id="{4CE80426-BED0-4D21-9767-A71E30C5C6A5}" type="datetimeFigureOut">
               <a:rPr lang="zh-CN" altLang="en-US" smtClean="0"/>
-              <a:t>2020/12/16</a:t>
+              <a:t>2020/12/17</a:t>
             </a:fld>
             <a:endParaRPr lang="zh-CN" altLang="en-US"/>
           </a:p>
@@ -2190,7 +2190,7 @@
           <a:p>
             <a:fld id="{4CE80426-BED0-4D21-9767-A71E30C5C6A5}" type="datetimeFigureOut">
               <a:rPr lang="zh-CN" altLang="en-US" smtClean="0"/>
-              <a:t>2020/12/16</a:t>
+              <a:t>2020/12/17</a:t>
             </a:fld>
             <a:endParaRPr lang="zh-CN" altLang="en-US"/>
           </a:p>
@@ -2321,7 +2321,7 @@
           <a:p>
             <a:fld id="{4CE80426-BED0-4D21-9767-A71E30C5C6A5}" type="datetimeFigureOut">
               <a:rPr lang="zh-CN" altLang="en-US" smtClean="0"/>
-              <a:t>2020/12/16</a:t>
+              <a:t>2020/12/17</a:t>
             </a:fld>
             <a:endParaRPr lang="zh-CN" altLang="en-US"/>
           </a:p>
@@ -2421,7 +2421,7 @@
           <a:p>
             <a:fld id="{4CE80426-BED0-4D21-9767-A71E30C5C6A5}" type="datetimeFigureOut">
               <a:rPr lang="zh-CN" altLang="en-US" smtClean="0"/>
-              <a:t>2020/12/16</a:t>
+              <a:t>2020/12/17</a:t>
             </a:fld>
             <a:endParaRPr lang="zh-CN" altLang="en-US"/>
           </a:p>
@@ -2666,7 +2666,7 @@
           <a:p>
             <a:fld id="{4CE80426-BED0-4D21-9767-A71E30C5C6A5}" type="datetimeFigureOut">
               <a:rPr lang="zh-CN" altLang="en-US" smtClean="0"/>
-              <a:t>2020/12/16</a:t>
+              <a:t>2020/12/17</a:t>
             </a:fld>
             <a:endParaRPr lang="zh-CN" altLang="en-US"/>
           </a:p>
@@ -2910,7 +2910,7 @@
           <a:p>
             <a:fld id="{4CE80426-BED0-4D21-9767-A71E30C5C6A5}" type="datetimeFigureOut">
               <a:rPr lang="zh-CN" altLang="en-US" smtClean="0"/>
-              <a:t>2020/12/16</a:t>
+              <a:t>2020/12/17</a:t>
             </a:fld>
             <a:endParaRPr lang="zh-CN" altLang="en-US"/>
           </a:p>
@@ -3734,7 +3734,7 @@
           <a:p>
             <a:fld id="{4CE80426-BED0-4D21-9767-A71E30C5C6A5}" type="datetimeFigureOut">
               <a:rPr lang="zh-CN" altLang="en-US" smtClean="0"/>
-              <a:t>2020/12/16</a:t>
+              <a:t>2020/12/17</a:t>
             </a:fld>
             <a:endParaRPr lang="zh-CN" altLang="en-US"/>
           </a:p>
@@ -4239,11 +4239,7 @@
           <a:p>
             <a:r>
               <a:rPr lang="zh-CN" altLang="en-US" dirty="0" smtClean="0"/>
-              <a:t>项目</a:t>
-            </a:r>
-            <a:r>
-              <a:rPr lang="zh-CN" altLang="en-US" dirty="0" smtClean="0"/>
-              <a:t>原型演示</a:t>
+              <a:t>项目原型演示</a:t>
             </a:r>
             <a:endParaRPr lang="zh-CN" altLang="en-US" dirty="0"/>
           </a:p>
@@ -4390,11 +4386,7 @@
           <a:p>
             <a:r>
               <a:rPr lang="zh-CN" altLang="en-US" dirty="0" smtClean="0"/>
-              <a:t>项目</a:t>
-            </a:r>
-            <a:r>
-              <a:rPr lang="zh-CN" altLang="en-US" dirty="0" smtClean="0"/>
-              <a:t>原型演示</a:t>
+              <a:t>项目原型演示</a:t>
             </a:r>
             <a:endParaRPr lang="zh-CN" altLang="en-US" dirty="0"/>
           </a:p>
@@ -4533,11 +4525,7 @@
           <a:p>
             <a:r>
               <a:rPr lang="zh-CN" altLang="en-US" dirty="0" smtClean="0"/>
-              <a:t>项目</a:t>
-            </a:r>
-            <a:r>
-              <a:rPr lang="zh-CN" altLang="en-US" dirty="0" smtClean="0"/>
-              <a:t>原型演示</a:t>
+              <a:t>项目原型演示</a:t>
             </a:r>
             <a:endParaRPr lang="zh-CN" altLang="en-US" dirty="0"/>
           </a:p>
@@ -4676,11 +4664,7 @@
           <a:p>
             <a:r>
               <a:rPr lang="zh-CN" altLang="en-US" dirty="0" smtClean="0"/>
-              <a:t>项目</a:t>
-            </a:r>
-            <a:r>
-              <a:rPr lang="zh-CN" altLang="en-US" dirty="0" smtClean="0"/>
-              <a:t>原型演示</a:t>
+              <a:t>项目原型演示</a:t>
             </a:r>
             <a:endParaRPr lang="zh-CN" altLang="en-US" dirty="0"/>
           </a:p>
@@ -4819,11 +4803,7 @@
           <a:p>
             <a:r>
               <a:rPr lang="zh-CN" altLang="en-US" dirty="0" smtClean="0"/>
-              <a:t>项目</a:t>
-            </a:r>
-            <a:r>
-              <a:rPr lang="zh-CN" altLang="en-US" dirty="0" smtClean="0"/>
-              <a:t>原型演示</a:t>
+              <a:t>项目原型演示</a:t>
             </a:r>
             <a:endParaRPr lang="zh-CN" altLang="en-US" dirty="0"/>
           </a:p>
@@ -4962,11 +4942,7 @@
           <a:p>
             <a:r>
               <a:rPr lang="zh-CN" altLang="en-US" dirty="0" smtClean="0"/>
-              <a:t>项目</a:t>
-            </a:r>
-            <a:r>
-              <a:rPr lang="zh-CN" altLang="en-US" dirty="0" smtClean="0"/>
-              <a:t>原型演示</a:t>
+              <a:t>项目原型演示</a:t>
             </a:r>
             <a:endParaRPr lang="zh-CN" altLang="en-US" dirty="0"/>
           </a:p>
@@ -5105,11 +5081,7 @@
           <a:p>
             <a:r>
               <a:rPr lang="zh-CN" altLang="en-US" dirty="0" smtClean="0"/>
-              <a:t>项目</a:t>
-            </a:r>
-            <a:r>
-              <a:rPr lang="zh-CN" altLang="en-US" dirty="0" smtClean="0"/>
-              <a:t>原型演示</a:t>
+              <a:t>项目原型演示</a:t>
             </a:r>
             <a:endParaRPr lang="zh-CN" altLang="en-US" dirty="0"/>
           </a:p>
@@ -5248,11 +5220,7 @@
           <a:p>
             <a:r>
               <a:rPr lang="zh-CN" altLang="en-US" dirty="0" smtClean="0"/>
-              <a:t>项目</a:t>
-            </a:r>
-            <a:r>
-              <a:rPr lang="zh-CN" altLang="en-US" dirty="0" smtClean="0"/>
-              <a:t>原型演示</a:t>
+              <a:t>项目原型演示</a:t>
             </a:r>
             <a:endParaRPr lang="zh-CN" altLang="en-US" dirty="0"/>
           </a:p>
@@ -5391,11 +5359,7 @@
           <a:p>
             <a:r>
               <a:rPr lang="zh-CN" altLang="en-US" dirty="0" smtClean="0"/>
-              <a:t>项目</a:t>
-            </a:r>
-            <a:r>
-              <a:rPr lang="zh-CN" altLang="en-US" dirty="0" smtClean="0"/>
-              <a:t>原型演示</a:t>
+              <a:t>项目原型演示</a:t>
             </a:r>
             <a:endParaRPr lang="zh-CN" altLang="en-US" dirty="0"/>
           </a:p>
@@ -5534,11 +5498,7 @@
           <a:p>
             <a:r>
               <a:rPr lang="zh-CN" altLang="en-US" dirty="0" smtClean="0"/>
-              <a:t>项目</a:t>
-            </a:r>
-            <a:r>
-              <a:rPr lang="zh-CN" altLang="en-US" dirty="0" smtClean="0"/>
-              <a:t>原型演示</a:t>
+              <a:t>项目原型演示</a:t>
             </a:r>
             <a:endParaRPr lang="zh-CN" altLang="en-US" dirty="0"/>
           </a:p>
@@ -5691,8 +5651,8 @@
         </p:nvSpPr>
         <p:spPr>
           <a:xfrm>
-            <a:off x="5220072" y="1412776"/>
-            <a:ext cx="3816423" cy="2585323"/>
+            <a:off x="1385646" y="5671709"/>
+            <a:ext cx="6516724" cy="646331"/>
           </a:xfrm>
           <a:prstGeom prst="rect">
             <a:avLst/>
@@ -5706,51 +5666,14 @@
           <a:lstStyle/>
           <a:p>
             <a:r>
-              <a:rPr lang="en-US" altLang="zh-CN" dirty="0" smtClean="0"/>
-              <a:t>1.</a:t>
-            </a:r>
-            <a:r>
               <a:rPr lang="zh-CN" altLang="en-US" dirty="0" smtClean="0"/>
-              <a:t>基于构件的体系结构设计。</a:t>
+              <a:t>上图是出售功能模块的体系结构设计示例。</a:t>
             </a:r>
             <a:endParaRPr lang="en-US" altLang="zh-CN" dirty="0" smtClean="0"/>
           </a:p>
           <a:p>
-            <a:endParaRPr lang="en-US" altLang="zh-CN" dirty="0"/>
-          </a:p>
-          <a:p>
-            <a:r>
-              <a:rPr lang="en-US" altLang="zh-CN" dirty="0" smtClean="0"/>
-              <a:t>2.</a:t>
-            </a:r>
             <a:r>
               <a:rPr lang="zh-CN" altLang="en-US" dirty="0" smtClean="0"/>
-              <a:t>根据</a:t>
-            </a:r>
-            <a:r>
-              <a:rPr lang="en-US" altLang="zh-CN" dirty="0" smtClean="0"/>
-              <a:t>SRS</a:t>
-            </a:r>
-            <a:r>
-              <a:rPr lang="zh-CN" altLang="en-US" dirty="0" smtClean="0"/>
-              <a:t>文档中给出的用例模块导出。</a:t>
-            </a:r>
-            <a:endParaRPr lang="en-US" altLang="zh-CN" dirty="0" smtClean="0"/>
-          </a:p>
-          <a:p>
-            <a:endParaRPr lang="en-US" altLang="zh-CN" dirty="0"/>
-          </a:p>
-          <a:p>
-            <a:r>
-              <a:rPr lang="en-US" altLang="zh-CN" dirty="0" smtClean="0"/>
-              <a:t>3</a:t>
-            </a:r>
-            <a:r>
-              <a:rPr lang="en-US" altLang="zh-CN" dirty="0" smtClean="0"/>
-              <a:t>.</a:t>
-            </a:r>
-            <a:r>
-              <a:rPr lang="zh-CN" altLang="en-US" dirty="0"/>
               <a:t>使用</a:t>
             </a:r>
             <a:r>
@@ -5759,26 +5682,73 @@
             </a:r>
             <a:r>
               <a:rPr lang="zh-CN" altLang="en-US" dirty="0"/>
-              <a:t>图展示了系统的体系结构设计</a:t>
-            </a:r>
-            <a:endParaRPr lang="en-US" altLang="zh-CN" dirty="0"/>
-          </a:p>
-          <a:p>
-            <a:r>
-              <a:rPr lang="en-US" altLang="zh-CN" dirty="0" smtClean="0"/>
-              <a:t>4.</a:t>
+              <a:t>图展示了系统的体系结构</a:t>
             </a:r>
             <a:r>
               <a:rPr lang="zh-CN" altLang="en-US" dirty="0" smtClean="0"/>
-              <a:t>需要进一步的精化</a:t>
+              <a:t>设计</a:t>
+            </a:r>
+            <a:r>
+              <a:rPr lang="zh-CN" altLang="en-US" dirty="0"/>
+              <a:t>，</a:t>
+            </a:r>
+            <a:r>
+              <a:rPr lang="zh-CN" altLang="en-US" dirty="0" smtClean="0"/>
+              <a:t>还需要</a:t>
+            </a:r>
+            <a:r>
+              <a:rPr lang="zh-CN" altLang="en-US" dirty="0" smtClean="0"/>
+              <a:t>进一步的精</a:t>
+            </a:r>
+            <a:r>
+              <a:rPr lang="zh-CN" altLang="en-US" dirty="0" smtClean="0"/>
+              <a:t>化。</a:t>
             </a:r>
             <a:endParaRPr lang="en-US" altLang="zh-CN" dirty="0" smtClean="0"/>
           </a:p>
-          <a:p>
-            <a:endParaRPr lang="en-US" altLang="zh-CN" dirty="0"/>
-          </a:p>
-        </p:txBody>
-      </p:sp>
+        </p:txBody>
+      </p:sp>
+      <p:pic>
+        <p:nvPicPr>
+          <p:cNvPr id="1026" name="Picture 2" descr="C:\Users\hyo619\Desktop\202009\软件工程课设\pics\demo\ACD-卖家.JPG"/>
+          <p:cNvPicPr>
+            <a:picLocks noChangeAspect="1" noChangeArrowheads="1"/>
+          </p:cNvPicPr>
+          <p:nvPr/>
+        </p:nvPicPr>
+        <p:blipFill>
+          <a:blip r:embed="rId2">
+            <a:extLst>
+              <a:ext uri="{28A0092B-C50C-407E-A947-70E740481C1C}">
+                <a14:useLocalDpi xmlns:a14="http://schemas.microsoft.com/office/drawing/2010/main" val="0"/>
+              </a:ext>
+            </a:extLst>
+          </a:blip>
+          <a:srcRect/>
+          <a:stretch>
+            <a:fillRect/>
+          </a:stretch>
+        </p:blipFill>
+        <p:spPr bwMode="auto">
+          <a:xfrm>
+            <a:off x="755576" y="1148296"/>
+            <a:ext cx="7776864" cy="4332551"/>
+          </a:xfrm>
+          <a:prstGeom prst="rect">
+            <a:avLst/>
+          </a:prstGeom>
+          <a:noFill/>
+          <a:extLst>
+            <a:ext uri="{909E8E84-426E-40DD-AFC4-6F175D3DCCD1}">
+              <a14:hiddenFill xmlns:a14="http://schemas.microsoft.com/office/drawing/2010/main">
+                <a:solidFill>
+                  <a:srgbClr val="FFFFFF"/>
+                </a:solidFill>
+              </a14:hiddenFill>
+            </a:ext>
+          </a:extLst>
+        </p:spPr>
+      </p:pic>
     </p:spTree>
     <p:extLst>
       <p:ext uri="{BB962C8B-B14F-4D97-AF65-F5344CB8AC3E}">
@@ -6831,11 +6801,7 @@
           <a:p>
             <a:r>
               <a:rPr lang="zh-CN" altLang="en-US" dirty="0" smtClean="0"/>
-              <a:t>项目</a:t>
-            </a:r>
-            <a:r>
-              <a:rPr lang="zh-CN" altLang="en-US" dirty="0" smtClean="0"/>
-              <a:t>原型演示</a:t>
+              <a:t>项目原型演示</a:t>
             </a:r>
             <a:endParaRPr lang="zh-CN" altLang="en-US" dirty="0"/>
           </a:p>
@@ -6974,11 +6940,7 @@
           <a:p>
             <a:r>
               <a:rPr lang="zh-CN" altLang="en-US" dirty="0" smtClean="0"/>
-              <a:t>项目</a:t>
-            </a:r>
-            <a:r>
-              <a:rPr lang="zh-CN" altLang="en-US" dirty="0" smtClean="0"/>
-              <a:t>原型演示</a:t>
+              <a:t>项目原型演示</a:t>
             </a:r>
             <a:endParaRPr lang="zh-CN" altLang="en-US" dirty="0"/>
           </a:p>

--- a/文档/最终答辩ppt.pptx
+++ b/文档/最终答辩ppt.pptx
@@ -783,7 +783,7 @@
           <a:p>
             <a:fld id="{4CE80426-BED0-4D21-9767-A71E30C5C6A5}" type="datetimeFigureOut">
               <a:rPr lang="zh-CN" altLang="en-US" smtClean="0"/>
-              <a:t>2020/12/17</a:t>
+              <a:t>2021/1/6</a:t>
             </a:fld>
             <a:endParaRPr lang="zh-CN" altLang="en-US"/>
           </a:p>
@@ -966,7 +966,7 @@
           <a:p>
             <a:fld id="{4CE80426-BED0-4D21-9767-A71E30C5C6A5}" type="datetimeFigureOut">
               <a:rPr lang="zh-CN" altLang="en-US" smtClean="0"/>
-              <a:t>2020/12/17</a:t>
+              <a:t>2021/1/6</a:t>
             </a:fld>
             <a:endParaRPr lang="zh-CN" altLang="en-US"/>
           </a:p>
@@ -1141,7 +1141,7 @@
           <a:p>
             <a:fld id="{4CE80426-BED0-4D21-9767-A71E30C5C6A5}" type="datetimeFigureOut">
               <a:rPr lang="zh-CN" altLang="en-US" smtClean="0"/>
-              <a:t>2020/12/17</a:t>
+              <a:t>2021/1/6</a:t>
             </a:fld>
             <a:endParaRPr lang="zh-CN" altLang="en-US"/>
           </a:p>
@@ -1306,7 +1306,7 @@
           <a:p>
             <a:fld id="{4CE80426-BED0-4D21-9767-A71E30C5C6A5}" type="datetimeFigureOut">
               <a:rPr lang="zh-CN" altLang="en-US" smtClean="0"/>
-              <a:t>2020/12/17</a:t>
+              <a:t>2021/1/6</a:t>
             </a:fld>
             <a:endParaRPr lang="zh-CN" altLang="en-US"/>
           </a:p>
@@ -1527,7 +1527,7 @@
           <a:p>
             <a:fld id="{4CE80426-BED0-4D21-9767-A71E30C5C6A5}" type="datetimeFigureOut">
               <a:rPr lang="zh-CN" altLang="en-US" smtClean="0"/>
-              <a:t>2020/12/17</a:t>
+              <a:t>2021/1/6</a:t>
             </a:fld>
             <a:endParaRPr lang="zh-CN" altLang="en-US"/>
           </a:p>
@@ -1786,7 +1786,7 @@
           <a:p>
             <a:fld id="{4CE80426-BED0-4D21-9767-A71E30C5C6A5}" type="datetimeFigureOut">
               <a:rPr lang="zh-CN" altLang="en-US" smtClean="0"/>
-              <a:t>2020/12/17</a:t>
+              <a:t>2021/1/6</a:t>
             </a:fld>
             <a:endParaRPr lang="zh-CN" altLang="en-US"/>
           </a:p>
@@ -2190,7 +2190,7 @@
           <a:p>
             <a:fld id="{4CE80426-BED0-4D21-9767-A71E30C5C6A5}" type="datetimeFigureOut">
               <a:rPr lang="zh-CN" altLang="en-US" smtClean="0"/>
-              <a:t>2020/12/17</a:t>
+              <a:t>2021/1/6</a:t>
             </a:fld>
             <a:endParaRPr lang="zh-CN" altLang="en-US"/>
           </a:p>
@@ -2321,7 +2321,7 @@
           <a:p>
             <a:fld id="{4CE80426-BED0-4D21-9767-A71E30C5C6A5}" type="datetimeFigureOut">
               <a:rPr lang="zh-CN" altLang="en-US" smtClean="0"/>
-              <a:t>2020/12/17</a:t>
+              <a:t>2021/1/6</a:t>
             </a:fld>
             <a:endParaRPr lang="zh-CN" altLang="en-US"/>
           </a:p>
@@ -2421,7 +2421,7 @@
           <a:p>
             <a:fld id="{4CE80426-BED0-4D21-9767-A71E30C5C6A5}" type="datetimeFigureOut">
               <a:rPr lang="zh-CN" altLang="en-US" smtClean="0"/>
-              <a:t>2020/12/17</a:t>
+              <a:t>2021/1/6</a:t>
             </a:fld>
             <a:endParaRPr lang="zh-CN" altLang="en-US"/>
           </a:p>
@@ -2666,7 +2666,7 @@
           <a:p>
             <a:fld id="{4CE80426-BED0-4D21-9767-A71E30C5C6A5}" type="datetimeFigureOut">
               <a:rPr lang="zh-CN" altLang="en-US" smtClean="0"/>
-              <a:t>2020/12/17</a:t>
+              <a:t>2021/1/6</a:t>
             </a:fld>
             <a:endParaRPr lang="zh-CN" altLang="en-US"/>
           </a:p>
@@ -2910,7 +2910,7 @@
           <a:p>
             <a:fld id="{4CE80426-BED0-4D21-9767-A71E30C5C6A5}" type="datetimeFigureOut">
               <a:rPr lang="zh-CN" altLang="en-US" smtClean="0"/>
-              <a:t>2020/12/17</a:t>
+              <a:t>2021/1/6</a:t>
             </a:fld>
             <a:endParaRPr lang="zh-CN" altLang="en-US"/>
           </a:p>
@@ -3734,7 +3734,7 @@
           <a:p>
             <a:fld id="{4CE80426-BED0-4D21-9767-A71E30C5C6A5}" type="datetimeFigureOut">
               <a:rPr lang="zh-CN" altLang="en-US" smtClean="0"/>
-              <a:t>2020/12/17</a:t>
+              <a:t>2021/1/6</a:t>
             </a:fld>
             <a:endParaRPr lang="zh-CN" altLang="en-US"/>
           </a:p>
@@ -5694,15 +5694,7 @@
             </a:r>
             <a:r>
               <a:rPr lang="zh-CN" altLang="en-US" dirty="0" smtClean="0"/>
-              <a:t>还需要</a:t>
-            </a:r>
-            <a:r>
-              <a:rPr lang="zh-CN" altLang="en-US" dirty="0" smtClean="0"/>
-              <a:t>进一步的精</a:t>
-            </a:r>
-            <a:r>
-              <a:rPr lang="zh-CN" altLang="en-US" dirty="0" smtClean="0"/>
-              <a:t>化。</a:t>
+              <a:t>还需要进一步的精化。</a:t>
             </a:r>
             <a:endParaRPr lang="en-US" altLang="zh-CN" dirty="0" smtClean="0"/>
           </a:p>
